--- a/Slides/PPT/白血病醫學文件分類.pptx
+++ b/Slides/PPT/白血病醫學文件分類.pptx
@@ -257,7 +257,7 @@
           <a:p>
             <a:fld id="{A96E8A13-9A45-4AE4-B2E9-234833DCC24F}" type="datetimeFigureOut">
               <a:rPr lang="en-US" smtClean="0"/>
-              <a:t>11/3/2020</a:t>
+              <a:t>11/20/2020</a:t>
             </a:fld>
             <a:endParaRPr lang="en-US"/>
           </a:p>
@@ -422,7 +422,7 @@
           <a:p>
             <a:fld id="{814AFB46-2C1B-40B1-A6E3-494CB3EEF26F}" type="datetimeFigureOut">
               <a:rPr lang="zh-TW" altLang="en-US" smtClean="0"/>
-              <a:t>2020/11/3</a:t>
+              <a:t>2020/11/20</a:t>
             </a:fld>
             <a:endParaRPr lang="zh-TW" altLang="en-US"/>
           </a:p>
@@ -1106,7 +1106,7 @@
           <a:p>
             <a:r>
               <a:rPr lang="zh-TW" altLang="en-US" smtClean="0"/>
-              <a:t>國立高雄科技大學電子工程系</a:t>
+              <a:t>國立高雄科技大學建功校區電子工程系</a:t>
             </a:r>
             <a:endParaRPr lang="zh-TW" altLang="en-US"/>
           </a:p>
@@ -1280,7 +1280,7 @@
           <a:p>
             <a:r>
               <a:rPr lang="zh-TW" altLang="en-US" smtClean="0"/>
-              <a:t>國立高雄科技大學電子工程系</a:t>
+              <a:t>國立高雄科技大學建功校區電子工程系</a:t>
             </a:r>
             <a:endParaRPr lang="zh-TW" altLang="en-US"/>
           </a:p>
@@ -1464,7 +1464,7 @@
           <a:p>
             <a:r>
               <a:rPr lang="zh-TW" altLang="en-US" smtClean="0"/>
-              <a:t>國立高雄科技大學電子工程系</a:t>
+              <a:t>國立高雄科技大學建功校區電子工程系</a:t>
             </a:r>
             <a:endParaRPr lang="zh-TW" altLang="en-US"/>
           </a:p>
@@ -1654,7 +1654,7 @@
           <a:p>
             <a:r>
               <a:rPr lang="zh-TW" altLang="en-US" smtClean="0"/>
-              <a:t>國立高雄科技大學電子工程系</a:t>
+              <a:t>國立高雄科技大學建功校區電子工程系</a:t>
             </a:r>
             <a:endParaRPr lang="zh-TW" altLang="en-US"/>
           </a:p>
@@ -1911,7 +1911,7 @@
           <a:p>
             <a:r>
               <a:rPr lang="zh-TW" altLang="en-US" smtClean="0"/>
-              <a:t>國立高雄科技大學電子工程系</a:t>
+              <a:t>國立高雄科技大學建功校區電子工程系</a:t>
             </a:r>
             <a:endParaRPr lang="zh-TW" altLang="en-US"/>
           </a:p>
@@ -2147,7 +2147,7 @@
           <a:p>
             <a:r>
               <a:rPr lang="zh-TW" altLang="en-US" smtClean="0"/>
-              <a:t>國立高雄科技大學電子工程系</a:t>
+              <a:t>國立高雄科技大學建功校區電子工程系</a:t>
             </a:r>
             <a:endParaRPr lang="zh-TW" altLang="en-US"/>
           </a:p>
@@ -2518,7 +2518,7 @@
           <a:p>
             <a:r>
               <a:rPr lang="zh-TW" altLang="en-US" smtClean="0"/>
-              <a:t>國立高雄科技大學電子工程系</a:t>
+              <a:t>國立高雄科技大學建功校區電子工程系</a:t>
             </a:r>
             <a:endParaRPr lang="zh-TW" altLang="en-US"/>
           </a:p>
@@ -2640,7 +2640,7 @@
           <a:p>
             <a:r>
               <a:rPr lang="zh-TW" altLang="en-US" smtClean="0"/>
-              <a:t>國立高雄科技大學電子工程系</a:t>
+              <a:t>國立高雄科技大學建功校區電子工程系</a:t>
             </a:r>
             <a:endParaRPr lang="zh-TW" altLang="en-US"/>
           </a:p>
@@ -2739,7 +2739,7 @@
           <a:p>
             <a:r>
               <a:rPr lang="zh-TW" altLang="en-US" smtClean="0"/>
-              <a:t>國立高雄科技大學電子工程系</a:t>
+              <a:t>國立高雄科技大學建功校區電子工程系</a:t>
             </a:r>
             <a:endParaRPr lang="zh-TW" altLang="en-US"/>
           </a:p>
@@ -3020,7 +3020,7 @@
           <a:p>
             <a:r>
               <a:rPr lang="zh-TW" altLang="en-US" smtClean="0"/>
-              <a:t>國立高雄科技大學電子工程系</a:t>
+              <a:t>國立高雄科技大學建功校區電子工程系</a:t>
             </a:r>
             <a:endParaRPr lang="zh-TW" altLang="en-US"/>
           </a:p>
@@ -3277,7 +3277,7 @@
           <a:p>
             <a:r>
               <a:rPr lang="zh-TW" altLang="en-US" smtClean="0"/>
-              <a:t>國立高雄科技大學電子工程系</a:t>
+              <a:t>國立高雄科技大學建功校區電子工程系</a:t>
             </a:r>
             <a:endParaRPr lang="zh-TW" altLang="en-US"/>
           </a:p>
@@ -3512,7 +3512,7 @@
           <a:p>
             <a:r>
               <a:rPr lang="zh-TW" altLang="en-US" smtClean="0"/>
-              <a:t>國立高雄科技大學電子工程系</a:t>
+              <a:t>國立高雄科技大學建功校區電子工程系</a:t>
             </a:r>
             <a:endParaRPr lang="zh-TW" altLang="en-US"/>
           </a:p>
@@ -3927,7 +3927,7 @@
         <p:spPr/>
         <p:txBody>
           <a:bodyPr>
-            <a:normAutofit/>
+            <a:normAutofit lnSpcReduction="10000"/>
           </a:bodyPr>
           <a:lstStyle/>
           <a:p>
@@ -3966,7 +3966,15 @@
             <a:pPr algn="ctr"/>
             <a:r>
               <a:rPr lang="zh-TW" altLang="en-US" dirty="0" smtClean="0"/>
-              <a:t>國立高雄科技大學電子工程系</a:t>
+              <a:t>國立高雄科技大學建功校區電子工程系</a:t>
+            </a:r>
+          </a:p>
+          <a:p>
+            <a:r>
+              <a:rPr lang="en-US" altLang="zh-TW" dirty="0" smtClean="0">
+                <a:hlinkClick r:id="rId3"/>
+              </a:rPr>
+              <a:t>https://github.com/chiayisu/Artificial_Intelligence_Course</a:t>
             </a:r>
             <a:endParaRPr lang="zh-TW" altLang="en-US" dirty="0"/>
           </a:p>
@@ -3988,7 +3996,7 @@
           <a:lstStyle/>
           <a:p>
             <a:r>
-              <a:rPr lang="en-US" altLang="zh-TW" dirty="0" smtClean="0"/>
+              <a:rPr lang="en-US" altLang="zh-TW" smtClean="0"/>
               <a:t>January, 2020</a:t>
             </a:r>
             <a:endParaRPr lang="zh-TW" altLang="en-US" dirty="0"/>
@@ -4012,7 +4020,7 @@
           <a:p>
             <a:r>
               <a:rPr lang="zh-TW" altLang="en-US" smtClean="0"/>
-              <a:t>國立高雄科技大學電子工程系</a:t>
+              <a:t>國立高雄科技大學建功校區電子工程系</a:t>
             </a:r>
             <a:endParaRPr lang="zh-TW" altLang="en-US"/>
           </a:p>
@@ -4160,7 +4168,7 @@
           <a:p>
             <a:r>
               <a:rPr lang="zh-TW" altLang="en-US" smtClean="0"/>
-              <a:t>國立高雄科技大學電子工程系</a:t>
+              <a:t>國立高雄科技大學建功校區電子工程系</a:t>
             </a:r>
             <a:endParaRPr lang="zh-TW" altLang="en-US"/>
           </a:p>
@@ -4318,7 +4326,7 @@
           <a:p>
             <a:r>
               <a:rPr lang="zh-TW" altLang="en-US" smtClean="0"/>
-              <a:t>國立高雄科技大學電子工程系</a:t>
+              <a:t>國立高雄科技大學建功校區電子工程系</a:t>
             </a:r>
             <a:endParaRPr lang="zh-TW" altLang="en-US"/>
           </a:p>
@@ -4487,7 +4495,7 @@
           <a:p>
             <a:r>
               <a:rPr lang="zh-TW" altLang="en-US" smtClean="0"/>
-              <a:t>國立高雄科技大學電子工程系</a:t>
+              <a:t>國立高雄科技大學建功校區電子工程系</a:t>
             </a:r>
             <a:endParaRPr lang="zh-TW" altLang="en-US"/>
           </a:p>
@@ -4818,7 +4826,7 @@
           <a:p>
             <a:r>
               <a:rPr lang="zh-TW" altLang="en-US" smtClean="0"/>
-              <a:t>國立高雄科技大學電子工程系</a:t>
+              <a:t>國立高雄科技大學建功校區電子工程系</a:t>
             </a:r>
             <a:endParaRPr lang="zh-TW" altLang="en-US"/>
           </a:p>
@@ -5146,7 +5154,7 @@
           <a:p>
             <a:r>
               <a:rPr lang="zh-TW" altLang="en-US" smtClean="0"/>
-              <a:t>國立高雄科技大學電子工程系</a:t>
+              <a:t>國立高雄科技大學建功校區電子工程系</a:t>
             </a:r>
             <a:endParaRPr lang="zh-TW" altLang="en-US"/>
           </a:p>
@@ -5294,7 +5302,7 @@
           <a:p>
             <a:r>
               <a:rPr lang="zh-TW" altLang="en-US" smtClean="0"/>
-              <a:t>國立高雄科技大學電子工程系</a:t>
+              <a:t>國立高雄科技大學建功校區電子工程系</a:t>
             </a:r>
             <a:endParaRPr lang="zh-TW" altLang="en-US"/>
           </a:p>
@@ -5449,7 +5457,7 @@
           <a:p>
             <a:r>
               <a:rPr lang="zh-TW" altLang="en-US" smtClean="0"/>
-              <a:t>國立高雄科技大學電子工程系</a:t>
+              <a:t>國立高雄科技大學建功校區電子工程系</a:t>
             </a:r>
             <a:endParaRPr lang="zh-TW" altLang="en-US"/>
           </a:p>
@@ -5608,7 +5616,7 @@
           <a:p>
             <a:r>
               <a:rPr lang="zh-TW" altLang="en-US" smtClean="0"/>
-              <a:t>國立高雄科技大學電子工程系</a:t>
+              <a:t>國立高雄科技大學建功校區電子工程系</a:t>
             </a:r>
             <a:endParaRPr lang="zh-TW" altLang="en-US"/>
           </a:p>
@@ -5791,7 +5799,7 @@
           <a:p>
             <a:r>
               <a:rPr lang="zh-TW" altLang="en-US" smtClean="0"/>
-              <a:t>國立高雄科技大學電子工程系</a:t>
+              <a:t>國立高雄科技大學建功校區電子工程系</a:t>
             </a:r>
             <a:endParaRPr lang="zh-TW" altLang="en-US"/>
           </a:p>
@@ -6296,7 +6304,7 @@
           <a:p>
             <a:r>
               <a:rPr lang="zh-TW" altLang="en-US" smtClean="0"/>
-              <a:t>國立高雄科技大學電子工程系</a:t>
+              <a:t>國立高雄科技大學建功校區電子工程系</a:t>
             </a:r>
             <a:endParaRPr lang="zh-TW" altLang="en-US"/>
           </a:p>
@@ -6552,7 +6560,7 @@
           <a:p>
             <a:r>
               <a:rPr lang="zh-TW" altLang="en-US" smtClean="0"/>
-              <a:t>國立高雄科技大學電子工程系</a:t>
+              <a:t>國立高雄科技大學建功校區電子工程系</a:t>
             </a:r>
             <a:endParaRPr lang="zh-TW" altLang="en-US"/>
           </a:p>
@@ -6700,7 +6708,7 @@
           <a:p>
             <a:r>
               <a:rPr lang="zh-TW" altLang="en-US" smtClean="0"/>
-              <a:t>國立高雄科技大學電子工程系</a:t>
+              <a:t>國立高雄科技大學建功校區電子工程系</a:t>
             </a:r>
             <a:endParaRPr lang="zh-TW" altLang="en-US"/>
           </a:p>
@@ -6922,7 +6930,7 @@
           <a:p>
             <a:r>
               <a:rPr lang="zh-TW" altLang="en-US" smtClean="0"/>
-              <a:t>國立高雄科技大學電子工程系</a:t>
+              <a:t>國立高雄科技大學建功校區電子工程系</a:t>
             </a:r>
             <a:endParaRPr lang="zh-TW" altLang="en-US"/>
           </a:p>
@@ -7380,7 +7388,7 @@
           <a:p>
             <a:r>
               <a:rPr lang="zh-TW" altLang="en-US" smtClean="0"/>
-              <a:t>國立高雄科技大學電子工程系</a:t>
+              <a:t>國立高雄科技大學建功校區電子工程系</a:t>
             </a:r>
             <a:endParaRPr lang="zh-TW" altLang="en-US"/>
           </a:p>
@@ -7543,7 +7551,7 @@
           <a:p>
             <a:r>
               <a:rPr lang="zh-TW" altLang="en-US" smtClean="0"/>
-              <a:t>國立高雄科技大學電子工程系</a:t>
+              <a:t>國立高雄科技大學建功校區電子工程系</a:t>
             </a:r>
             <a:endParaRPr lang="zh-TW" altLang="en-US"/>
           </a:p>
@@ -7698,7 +7706,7 @@
           <a:p>
             <a:r>
               <a:rPr lang="zh-TW" altLang="en-US" smtClean="0"/>
-              <a:t>國立高雄科技大學電子工程系</a:t>
+              <a:t>國立高雄科技大學建功校區電子工程系</a:t>
             </a:r>
             <a:endParaRPr lang="zh-TW" altLang="en-US"/>
           </a:p>
@@ -7846,7 +7854,7 @@
           <a:p>
             <a:r>
               <a:rPr lang="zh-TW" altLang="en-US" smtClean="0"/>
-              <a:t>國立高雄科技大學電子工程系</a:t>
+              <a:t>國立高雄科技大學建功校區電子工程系</a:t>
             </a:r>
             <a:endParaRPr lang="zh-TW" altLang="en-US"/>
           </a:p>
@@ -7994,7 +8002,7 @@
           <a:p>
             <a:r>
               <a:rPr lang="zh-TW" altLang="en-US" smtClean="0"/>
-              <a:t>國立高雄科技大學電子工程系</a:t>
+              <a:t>國立高雄科技大學建功校區電子工程系</a:t>
             </a:r>
             <a:endParaRPr lang="zh-TW" altLang="en-US"/>
           </a:p>
@@ -8775,7 +8783,7 @@
           <a:p>
             <a:r>
               <a:rPr lang="zh-TW" altLang="en-US" smtClean="0"/>
-              <a:t>國立高雄科技大學電子工程系</a:t>
+              <a:t>國立高雄科技大學建功校區電子工程系</a:t>
             </a:r>
             <a:endParaRPr lang="zh-TW" altLang="en-US"/>
           </a:p>
@@ -8954,7 +8962,7 @@
           <a:p>
             <a:r>
               <a:rPr lang="zh-TW" altLang="en-US" smtClean="0"/>
-              <a:t>國立高雄科技大學電子工程系</a:t>
+              <a:t>國立高雄科技大學建功校區電子工程系</a:t>
             </a:r>
             <a:endParaRPr lang="zh-TW" altLang="en-US"/>
           </a:p>
@@ -10342,7 +10350,7 @@
           <a:p>
             <a:r>
               <a:rPr lang="zh-TW" altLang="en-US" smtClean="0"/>
-              <a:t>國立高雄科技大學電子工程系</a:t>
+              <a:t>國立高雄科技大學建功校區電子工程系</a:t>
             </a:r>
             <a:endParaRPr lang="zh-TW" altLang="en-US"/>
           </a:p>
@@ -10748,7 +10756,7 @@
           <a:p>
             <a:r>
               <a:rPr lang="zh-TW" altLang="en-US" smtClean="0"/>
-              <a:t>國立高雄科技大學電子工程系</a:t>
+              <a:t>國立高雄科技大學建功校區電子工程系</a:t>
             </a:r>
             <a:endParaRPr lang="zh-TW" altLang="en-US"/>
           </a:p>
@@ -10907,7 +10915,7 @@
           <a:p>
             <a:r>
               <a:rPr lang="zh-TW" altLang="en-US" smtClean="0"/>
-              <a:t>國立高雄科技大學電子工程系</a:t>
+              <a:t>國立高雄科技大學建功校區電子工程系</a:t>
             </a:r>
             <a:endParaRPr lang="zh-TW" altLang="en-US"/>
           </a:p>
@@ -11122,7 +11130,7 @@
           <a:p>
             <a:r>
               <a:rPr lang="zh-TW" altLang="en-US" smtClean="0"/>
-              <a:t>國立高雄科技大學電子工程系</a:t>
+              <a:t>國立高雄科技大學建功校區電子工程系</a:t>
             </a:r>
             <a:endParaRPr lang="zh-TW" altLang="en-US"/>
           </a:p>
@@ -11470,7 +11478,7 @@
           <a:p>
             <a:r>
               <a:rPr lang="zh-TW" altLang="en-US" smtClean="0"/>
-              <a:t>國立高雄科技大學電子工程系</a:t>
+              <a:t>國立高雄科技大學建功校區電子工程系</a:t>
             </a:r>
             <a:endParaRPr lang="zh-TW" altLang="en-US"/>
           </a:p>
@@ -12118,7 +12126,7 @@
           <a:p>
             <a:r>
               <a:rPr lang="zh-TW" altLang="en-US" smtClean="0"/>
-              <a:t>國立高雄科技大學電子工程系</a:t>
+              <a:t>國立高雄科技大學建功校區電子工程系</a:t>
             </a:r>
             <a:endParaRPr lang="zh-TW" altLang="en-US"/>
           </a:p>
@@ -12510,7 +12518,7 @@
           <a:p>
             <a:r>
               <a:rPr lang="zh-TW" altLang="en-US" smtClean="0"/>
-              <a:t>國立高雄科技大學電子工程系</a:t>
+              <a:t>國立高雄科技大學建功校區電子工程系</a:t>
             </a:r>
             <a:endParaRPr lang="zh-TW" altLang="en-US"/>
           </a:p>
@@ -13115,7 +13123,7 @@
           <a:p>
             <a:r>
               <a:rPr lang="zh-TW" altLang="en-US" smtClean="0"/>
-              <a:t>國立高雄科技大學電子工程系</a:t>
+              <a:t>國立高雄科技大學建功校區電子工程系</a:t>
             </a:r>
             <a:endParaRPr lang="zh-TW" altLang="en-US"/>
           </a:p>
@@ -13502,7 +13510,7 @@
           <a:p>
             <a:r>
               <a:rPr lang="zh-TW" altLang="en-US" smtClean="0"/>
-              <a:t>國立高雄科技大學電子工程系</a:t>
+              <a:t>國立高雄科技大學建功校區電子工程系</a:t>
             </a:r>
             <a:endParaRPr lang="zh-TW" altLang="en-US"/>
           </a:p>
@@ -14132,7 +14140,7 @@
           <a:p>
             <a:r>
               <a:rPr lang="zh-TW" altLang="en-US" smtClean="0"/>
-              <a:t>國立高雄科技大學電子工程系</a:t>
+              <a:t>國立高雄科技大學建功校區電子工程系</a:t>
             </a:r>
             <a:endParaRPr lang="zh-TW" altLang="en-US"/>
           </a:p>
@@ -14310,7 +14318,7 @@
           <a:p>
             <a:r>
               <a:rPr lang="zh-TW" altLang="en-US" smtClean="0"/>
-              <a:t>國立高雄科技大學電子工程系</a:t>
+              <a:t>國立高雄科技大學建功校區電子工程系</a:t>
             </a:r>
             <a:endParaRPr lang="zh-TW" altLang="en-US"/>
           </a:p>
@@ -14840,7 +14848,7 @@
           <a:p>
             <a:r>
               <a:rPr lang="zh-TW" altLang="en-US" smtClean="0"/>
-              <a:t>國立高雄科技大學電子工程系</a:t>
+              <a:t>國立高雄科技大學建功校區電子工程系</a:t>
             </a:r>
             <a:endParaRPr lang="zh-TW" altLang="en-US"/>
           </a:p>
@@ -15040,7 +15048,7 @@
           <a:lstStyle/>
           <a:p>
             <a:r>
-              <a:rPr lang="en-US" altLang="zh-TW" dirty="0" smtClean="0"/>
+              <a:rPr lang="en-US" altLang="zh-TW" smtClean="0"/>
               <a:t>January, 2020</a:t>
             </a:r>
             <a:endParaRPr lang="zh-TW" altLang="en-US" dirty="0"/>
@@ -15064,7 +15072,7 @@
           <a:p>
             <a:r>
               <a:rPr lang="zh-TW" altLang="en-US" smtClean="0"/>
-              <a:t>國立高雄科技大學電子工程系</a:t>
+              <a:t>國立高雄科技大學建功校區電子工程系</a:t>
             </a:r>
             <a:endParaRPr lang="zh-TW" altLang="en-US"/>
           </a:p>
@@ -15662,7 +15670,7 @@
           <a:p>
             <a:r>
               <a:rPr lang="zh-TW" altLang="en-US" smtClean="0"/>
-              <a:t>國立高雄科技大學電子工程系</a:t>
+              <a:t>國立高雄科技大學建功校區電子工程系</a:t>
             </a:r>
             <a:endParaRPr lang="zh-TW" altLang="en-US"/>
           </a:p>
@@ -15856,7 +15864,7 @@
           <a:p>
             <a:r>
               <a:rPr lang="zh-TW" altLang="en-US" smtClean="0"/>
-              <a:t>國立高雄科技大學電子工程系</a:t>
+              <a:t>國立高雄科技大學建功校區電子工程系</a:t>
             </a:r>
             <a:endParaRPr lang="zh-TW" altLang="en-US"/>
           </a:p>
@@ -16011,7 +16019,7 @@
           <a:p>
             <a:r>
               <a:rPr lang="zh-TW" altLang="en-US" smtClean="0"/>
-              <a:t>國立高雄科技大學電子工程系</a:t>
+              <a:t>國立高雄科技大學建功校區電子工程系</a:t>
             </a:r>
             <a:endParaRPr lang="zh-TW" altLang="en-US"/>
           </a:p>
@@ -16323,7 +16331,7 @@
           <a:p>
             <a:r>
               <a:rPr lang="zh-TW" altLang="en-US" smtClean="0"/>
-              <a:t>國立高雄科技大學電子工程系</a:t>
+              <a:t>國立高雄科技大學建功校區電子工程系</a:t>
             </a:r>
             <a:endParaRPr lang="zh-TW" altLang="en-US"/>
           </a:p>
@@ -16619,7 +16627,7 @@
           <a:p>
             <a:r>
               <a:rPr lang="zh-TW" altLang="en-US" smtClean="0"/>
-              <a:t>國立高雄科技大學電子工程系</a:t>
+              <a:t>國立高雄科技大學建功校區電子工程系</a:t>
             </a:r>
             <a:endParaRPr lang="zh-TW" altLang="en-US"/>
           </a:p>
@@ -16769,7 +16777,7 @@
           <a:p>
             <a:r>
               <a:rPr lang="zh-TW" altLang="en-US" smtClean="0"/>
-              <a:t>國立高雄科技大學電子工程系</a:t>
+              <a:t>國立高雄科技大學建功校區電子工程系</a:t>
             </a:r>
             <a:endParaRPr lang="zh-TW" altLang="en-US"/>
           </a:p>
@@ -17025,7 +17033,7 @@
           <a:p>
             <a:r>
               <a:rPr lang="zh-TW" altLang="en-US" smtClean="0"/>
-              <a:t>國立高雄科技大學電子工程系</a:t>
+              <a:t>國立高雄科技大學建功校區電子工程系</a:t>
             </a:r>
             <a:endParaRPr lang="zh-TW" altLang="en-US"/>
           </a:p>
@@ -17217,7 +17225,7 @@
           <a:p>
             <a:r>
               <a:rPr lang="zh-TW" altLang="en-US" smtClean="0"/>
-              <a:t>國立高雄科技大學電子工程系</a:t>
+              <a:t>國立高雄科技大學建功校區電子工程系</a:t>
             </a:r>
             <a:endParaRPr lang="zh-TW" altLang="en-US"/>
           </a:p>
@@ -17474,7 +17482,7 @@
           <a:p>
             <a:r>
               <a:rPr lang="zh-TW" altLang="en-US" smtClean="0"/>
-              <a:t>國立高雄科技大學電子工程系</a:t>
+              <a:t>國立高雄科技大學建功校區電子工程系</a:t>
             </a:r>
             <a:endParaRPr lang="zh-TW" altLang="en-US"/>
           </a:p>
